--- a/docs/diagrams/StatsCommandSequenceDiagram.pptx
+++ b/docs/diagrams/StatsCommandSequenceDiagram.pptx
@@ -5934,8 +5934,8 @@
         </p:nvSpPr>
         <p:spPr>
           <a:xfrm>
-            <a:off x="7986084" y="5284113"/>
-            <a:ext cx="776916" cy="430887"/>
+            <a:off x="7986083" y="5284113"/>
+            <a:ext cx="1008481" cy="430887"/>
           </a:xfrm>
           <a:prstGeom prst="rect">
             <a:avLst/>
